--- a/public/user/output/U201812791-刘棫欣-1.《喜马拉雅FM免费增值策略对用户留存的影响的实证研究》/output_8_2.pptx
+++ b/public/user/output/U201812791-刘棫欣-1.《喜马拉雅FM免费增值策略对用户留存的影响的实证研究》/output_8_2.pptx
@@ -3619,7 +3619,7 @@
               </a:defRPr>
             </a:pPr>
             <a:r>
-              <a:t>3. 最优收费节点分析</a:t>
+              <a:t>3. 收费节点分析</a:t>
             </a:r>
           </a:p>
         </p:txBody>
@@ -3655,7 +3655,7 @@
               </a:defRPr>
             </a:pPr>
             <a:r>
-              <a:t>- 针对收费策略进一步分析，通过二次项回归及分样本回归得最优收费节点</a:t>
+              <a:t>- 二次项回归及分样本回归得最优收费节点。</a:t>
             </a:r>
           </a:p>
         </p:txBody>
@@ -3727,7 +3727,7 @@
               </a:defRPr>
             </a:pPr>
             <a:r>
-              <a:t>- 稳健性检验发现购买类型及收费模式也符合模型</a:t>
+              <a:t>- 购买类型与收费模式影响小，优先考虑支持VIP服务。</a:t>
             </a:r>
           </a:p>
         </p:txBody>
